--- a/IoT Hackathon.pptx
+++ b/IoT Hackathon.pptx
@@ -9,6 +9,9 @@
     <p:sldId id="257" r:id="rId3"/>
     <p:sldId id="260" r:id="rId4"/>
     <p:sldId id="259" r:id="rId5"/>
+    <p:sldId id="261" r:id="rId6"/>
+    <p:sldId id="262" r:id="rId7"/>
+    <p:sldId id="263" r:id="rId8"/>
   </p:sldIdLst>
   <p:sldSz cx="12192000" cy="6858000"/>
   <p:notesSz cx="6858000" cy="9144000"/>
@@ -241,7 +244,8 @@
           <a:p>
             <a:fld id="{3508B91F-46BF-4EC0-BD28-414BE697C02C}" type="datetimeFigureOut">
               <a:rPr lang="en-US" smtClean="0"/>
-              <a:t>6/2/2016</a:t>
+              <a:pPr/>
+              <a:t>6/3/2016</a:t>
             </a:fld>
             <a:endParaRPr lang="en-US"/>
           </a:p>
@@ -283,7 +287,8 @@
           <a:p>
             <a:fld id="{3CC86BBC-5748-4802-A362-0C4523F4B9B7}" type="slidenum">
               <a:rPr lang="en-US" smtClean="0"/>
-              <a:t>‹#›</a:t>
+              <a:pPr/>
+              <a:t>‹Nr.›</a:t>
             </a:fld>
             <a:endParaRPr lang="en-US"/>
           </a:p>
@@ -292,7 +297,7 @@
     </p:spTree>
     <p:extLst>
       <p:ext uri="{BB962C8B-B14F-4D97-AF65-F5344CB8AC3E}">
-        <p14:creationId xmlns:p14="http://schemas.microsoft.com/office/powerpoint/2010/main" val="745072837"/>
+        <p14:creationId xmlns:p14="http://schemas.microsoft.com/office/powerpoint/2010/main" xmlns="" val="745072837"/>
       </p:ext>
     </p:extLst>
   </p:cSld>
@@ -411,7 +416,8 @@
           <a:p>
             <a:fld id="{3508B91F-46BF-4EC0-BD28-414BE697C02C}" type="datetimeFigureOut">
               <a:rPr lang="en-US" smtClean="0"/>
-              <a:t>6/2/2016</a:t>
+              <a:pPr/>
+              <a:t>6/3/2016</a:t>
             </a:fld>
             <a:endParaRPr lang="en-US"/>
           </a:p>
@@ -453,7 +459,8 @@
           <a:p>
             <a:fld id="{3CC86BBC-5748-4802-A362-0C4523F4B9B7}" type="slidenum">
               <a:rPr lang="en-US" smtClean="0"/>
-              <a:t>‹#›</a:t>
+              <a:pPr/>
+              <a:t>‹Nr.›</a:t>
             </a:fld>
             <a:endParaRPr lang="en-US"/>
           </a:p>
@@ -462,7 +469,7 @@
     </p:spTree>
     <p:extLst>
       <p:ext uri="{BB962C8B-B14F-4D97-AF65-F5344CB8AC3E}">
-        <p14:creationId xmlns:p14="http://schemas.microsoft.com/office/powerpoint/2010/main" val="1151424708"/>
+        <p14:creationId xmlns:p14="http://schemas.microsoft.com/office/powerpoint/2010/main" xmlns="" val="1151424708"/>
       </p:ext>
     </p:extLst>
   </p:cSld>
@@ -591,7 +598,8 @@
           <a:p>
             <a:fld id="{3508B91F-46BF-4EC0-BD28-414BE697C02C}" type="datetimeFigureOut">
               <a:rPr lang="en-US" smtClean="0"/>
-              <a:t>6/2/2016</a:t>
+              <a:pPr/>
+              <a:t>6/3/2016</a:t>
             </a:fld>
             <a:endParaRPr lang="en-US"/>
           </a:p>
@@ -633,7 +641,8 @@
           <a:p>
             <a:fld id="{3CC86BBC-5748-4802-A362-0C4523F4B9B7}" type="slidenum">
               <a:rPr lang="en-US" smtClean="0"/>
-              <a:t>‹#›</a:t>
+              <a:pPr/>
+              <a:t>‹Nr.›</a:t>
             </a:fld>
             <a:endParaRPr lang="en-US"/>
           </a:p>
@@ -642,7 +651,7 @@
     </p:spTree>
     <p:extLst>
       <p:ext uri="{BB962C8B-B14F-4D97-AF65-F5344CB8AC3E}">
-        <p14:creationId xmlns:p14="http://schemas.microsoft.com/office/powerpoint/2010/main" val="2571403121"/>
+        <p14:creationId xmlns:p14="http://schemas.microsoft.com/office/powerpoint/2010/main" xmlns="" val="2571403121"/>
       </p:ext>
     </p:extLst>
   </p:cSld>
@@ -761,7 +770,8 @@
           <a:p>
             <a:fld id="{3508B91F-46BF-4EC0-BD28-414BE697C02C}" type="datetimeFigureOut">
               <a:rPr lang="en-US" smtClean="0"/>
-              <a:t>6/2/2016</a:t>
+              <a:pPr/>
+              <a:t>6/3/2016</a:t>
             </a:fld>
             <a:endParaRPr lang="en-US"/>
           </a:p>
@@ -803,7 +813,8 @@
           <a:p>
             <a:fld id="{3CC86BBC-5748-4802-A362-0C4523F4B9B7}" type="slidenum">
               <a:rPr lang="en-US" smtClean="0"/>
-              <a:t>‹#›</a:t>
+              <a:pPr/>
+              <a:t>‹Nr.›</a:t>
             </a:fld>
             <a:endParaRPr lang="en-US"/>
           </a:p>
@@ -812,7 +823,7 @@
     </p:spTree>
     <p:extLst>
       <p:ext uri="{BB962C8B-B14F-4D97-AF65-F5344CB8AC3E}">
-        <p14:creationId xmlns:p14="http://schemas.microsoft.com/office/powerpoint/2010/main" val="30657695"/>
+        <p14:creationId xmlns:p14="http://schemas.microsoft.com/office/powerpoint/2010/main" xmlns="" val="30657695"/>
       </p:ext>
     </p:extLst>
   </p:cSld>
@@ -1007,7 +1018,8 @@
           <a:p>
             <a:fld id="{3508B91F-46BF-4EC0-BD28-414BE697C02C}" type="datetimeFigureOut">
               <a:rPr lang="en-US" smtClean="0"/>
-              <a:t>6/2/2016</a:t>
+              <a:pPr/>
+              <a:t>6/3/2016</a:t>
             </a:fld>
             <a:endParaRPr lang="en-US"/>
           </a:p>
@@ -1049,7 +1061,8 @@
           <a:p>
             <a:fld id="{3CC86BBC-5748-4802-A362-0C4523F4B9B7}" type="slidenum">
               <a:rPr lang="en-US" smtClean="0"/>
-              <a:t>‹#›</a:t>
+              <a:pPr/>
+              <a:t>‹Nr.›</a:t>
             </a:fld>
             <a:endParaRPr lang="en-US"/>
           </a:p>
@@ -1058,7 +1071,7 @@
     </p:spTree>
     <p:extLst>
       <p:ext uri="{BB962C8B-B14F-4D97-AF65-F5344CB8AC3E}">
-        <p14:creationId xmlns:p14="http://schemas.microsoft.com/office/powerpoint/2010/main" val="1953691774"/>
+        <p14:creationId xmlns:p14="http://schemas.microsoft.com/office/powerpoint/2010/main" xmlns="" val="1953691774"/>
       </p:ext>
     </p:extLst>
   </p:cSld>
@@ -1239,7 +1252,8 @@
           <a:p>
             <a:fld id="{3508B91F-46BF-4EC0-BD28-414BE697C02C}" type="datetimeFigureOut">
               <a:rPr lang="en-US" smtClean="0"/>
-              <a:t>6/2/2016</a:t>
+              <a:pPr/>
+              <a:t>6/3/2016</a:t>
             </a:fld>
             <a:endParaRPr lang="en-US"/>
           </a:p>
@@ -1281,7 +1295,8 @@
           <a:p>
             <a:fld id="{3CC86BBC-5748-4802-A362-0C4523F4B9B7}" type="slidenum">
               <a:rPr lang="en-US" smtClean="0"/>
-              <a:t>‹#›</a:t>
+              <a:pPr/>
+              <a:t>‹Nr.›</a:t>
             </a:fld>
             <a:endParaRPr lang="en-US"/>
           </a:p>
@@ -1290,7 +1305,7 @@
     </p:spTree>
     <p:extLst>
       <p:ext uri="{BB962C8B-B14F-4D97-AF65-F5344CB8AC3E}">
-        <p14:creationId xmlns:p14="http://schemas.microsoft.com/office/powerpoint/2010/main" val="1766928064"/>
+        <p14:creationId xmlns:p14="http://schemas.microsoft.com/office/powerpoint/2010/main" xmlns="" val="1766928064"/>
       </p:ext>
     </p:extLst>
   </p:cSld>
@@ -1606,7 +1621,8 @@
           <a:p>
             <a:fld id="{3508B91F-46BF-4EC0-BD28-414BE697C02C}" type="datetimeFigureOut">
               <a:rPr lang="en-US" smtClean="0"/>
-              <a:t>6/2/2016</a:t>
+              <a:pPr/>
+              <a:t>6/3/2016</a:t>
             </a:fld>
             <a:endParaRPr lang="en-US"/>
           </a:p>
@@ -1648,7 +1664,8 @@
           <a:p>
             <a:fld id="{3CC86BBC-5748-4802-A362-0C4523F4B9B7}" type="slidenum">
               <a:rPr lang="en-US" smtClean="0"/>
-              <a:t>‹#›</a:t>
+              <a:pPr/>
+              <a:t>‹Nr.›</a:t>
             </a:fld>
             <a:endParaRPr lang="en-US"/>
           </a:p>
@@ -1657,7 +1674,7 @@
     </p:spTree>
     <p:extLst>
       <p:ext uri="{BB962C8B-B14F-4D97-AF65-F5344CB8AC3E}">
-        <p14:creationId xmlns:p14="http://schemas.microsoft.com/office/powerpoint/2010/main" val="2391131102"/>
+        <p14:creationId xmlns:p14="http://schemas.microsoft.com/office/powerpoint/2010/main" xmlns="" val="2391131102"/>
       </p:ext>
     </p:extLst>
   </p:cSld>
@@ -1724,7 +1741,8 @@
           <a:p>
             <a:fld id="{3508B91F-46BF-4EC0-BD28-414BE697C02C}" type="datetimeFigureOut">
               <a:rPr lang="en-US" smtClean="0"/>
-              <a:t>6/2/2016</a:t>
+              <a:pPr/>
+              <a:t>6/3/2016</a:t>
             </a:fld>
             <a:endParaRPr lang="en-US"/>
           </a:p>
@@ -1766,7 +1784,8 @@
           <a:p>
             <a:fld id="{3CC86BBC-5748-4802-A362-0C4523F4B9B7}" type="slidenum">
               <a:rPr lang="en-US" smtClean="0"/>
-              <a:t>‹#›</a:t>
+              <a:pPr/>
+              <a:t>‹Nr.›</a:t>
             </a:fld>
             <a:endParaRPr lang="en-US"/>
           </a:p>
@@ -1775,7 +1794,7 @@
     </p:spTree>
     <p:extLst>
       <p:ext uri="{BB962C8B-B14F-4D97-AF65-F5344CB8AC3E}">
-        <p14:creationId xmlns:p14="http://schemas.microsoft.com/office/powerpoint/2010/main" val="2733392670"/>
+        <p14:creationId xmlns:p14="http://schemas.microsoft.com/office/powerpoint/2010/main" xmlns="" val="2733392670"/>
       </p:ext>
     </p:extLst>
   </p:cSld>
@@ -1819,7 +1838,8 @@
           <a:p>
             <a:fld id="{3508B91F-46BF-4EC0-BD28-414BE697C02C}" type="datetimeFigureOut">
               <a:rPr lang="en-US" smtClean="0"/>
-              <a:t>6/2/2016</a:t>
+              <a:pPr/>
+              <a:t>6/3/2016</a:t>
             </a:fld>
             <a:endParaRPr lang="en-US"/>
           </a:p>
@@ -1861,7 +1881,8 @@
           <a:p>
             <a:fld id="{3CC86BBC-5748-4802-A362-0C4523F4B9B7}" type="slidenum">
               <a:rPr lang="en-US" smtClean="0"/>
-              <a:t>‹#›</a:t>
+              <a:pPr/>
+              <a:t>‹Nr.›</a:t>
             </a:fld>
             <a:endParaRPr lang="en-US"/>
           </a:p>
@@ -1870,7 +1891,7 @@
     </p:spTree>
     <p:extLst>
       <p:ext uri="{BB962C8B-B14F-4D97-AF65-F5344CB8AC3E}">
-        <p14:creationId xmlns:p14="http://schemas.microsoft.com/office/powerpoint/2010/main" val="3139887002"/>
+        <p14:creationId xmlns:p14="http://schemas.microsoft.com/office/powerpoint/2010/main" xmlns="" val="3139887002"/>
       </p:ext>
     </p:extLst>
   </p:cSld>
@@ -2096,7 +2117,8 @@
           <a:p>
             <a:fld id="{3508B91F-46BF-4EC0-BD28-414BE697C02C}" type="datetimeFigureOut">
               <a:rPr lang="en-US" smtClean="0"/>
-              <a:t>6/2/2016</a:t>
+              <a:pPr/>
+              <a:t>6/3/2016</a:t>
             </a:fld>
             <a:endParaRPr lang="en-US"/>
           </a:p>
@@ -2138,7 +2160,8 @@
           <a:p>
             <a:fld id="{3CC86BBC-5748-4802-A362-0C4523F4B9B7}" type="slidenum">
               <a:rPr lang="en-US" smtClean="0"/>
-              <a:t>‹#›</a:t>
+              <a:pPr/>
+              <a:t>‹Nr.›</a:t>
             </a:fld>
             <a:endParaRPr lang="en-US"/>
           </a:p>
@@ -2147,7 +2170,7 @@
     </p:spTree>
     <p:extLst>
       <p:ext uri="{BB962C8B-B14F-4D97-AF65-F5344CB8AC3E}">
-        <p14:creationId xmlns:p14="http://schemas.microsoft.com/office/powerpoint/2010/main" val="1910193946"/>
+        <p14:creationId xmlns:p14="http://schemas.microsoft.com/office/powerpoint/2010/main" xmlns="" val="1910193946"/>
       </p:ext>
     </p:extLst>
   </p:cSld>
@@ -2349,7 +2372,8 @@
           <a:p>
             <a:fld id="{3508B91F-46BF-4EC0-BD28-414BE697C02C}" type="datetimeFigureOut">
               <a:rPr lang="en-US" smtClean="0"/>
-              <a:t>6/2/2016</a:t>
+              <a:pPr/>
+              <a:t>6/3/2016</a:t>
             </a:fld>
             <a:endParaRPr lang="en-US"/>
           </a:p>
@@ -2391,7 +2415,8 @@
           <a:p>
             <a:fld id="{3CC86BBC-5748-4802-A362-0C4523F4B9B7}" type="slidenum">
               <a:rPr lang="en-US" smtClean="0"/>
-              <a:t>‹#›</a:t>
+              <a:pPr/>
+              <a:t>‹Nr.›</a:t>
             </a:fld>
             <a:endParaRPr lang="en-US"/>
           </a:p>
@@ -2400,7 +2425,7 @@
     </p:spTree>
     <p:extLst>
       <p:ext uri="{BB962C8B-B14F-4D97-AF65-F5344CB8AC3E}">
-        <p14:creationId xmlns:p14="http://schemas.microsoft.com/office/powerpoint/2010/main" val="2239819314"/>
+        <p14:creationId xmlns:p14="http://schemas.microsoft.com/office/powerpoint/2010/main" xmlns="" val="2239819314"/>
       </p:ext>
     </p:extLst>
   </p:cSld>
@@ -2562,7 +2587,8 @@
           <a:p>
             <a:fld id="{3508B91F-46BF-4EC0-BD28-414BE697C02C}" type="datetimeFigureOut">
               <a:rPr lang="en-US" smtClean="0"/>
-              <a:t>6/2/2016</a:t>
+              <a:pPr/>
+              <a:t>6/3/2016</a:t>
             </a:fld>
             <a:endParaRPr lang="en-US"/>
           </a:p>
@@ -2640,7 +2666,8 @@
           <a:p>
             <a:fld id="{3CC86BBC-5748-4802-A362-0C4523F4B9B7}" type="slidenum">
               <a:rPr lang="en-US" smtClean="0"/>
-              <a:t>‹#›</a:t>
+              <a:pPr/>
+              <a:t>‹Nr.›</a:t>
             </a:fld>
             <a:endParaRPr lang="en-US"/>
           </a:p>
@@ -2649,7 +2676,7 @@
     </p:spTree>
     <p:extLst>
       <p:ext uri="{BB962C8B-B14F-4D97-AF65-F5344CB8AC3E}">
-        <p14:creationId xmlns:p14="http://schemas.microsoft.com/office/powerpoint/2010/main" val="4023568497"/>
+        <p14:creationId xmlns:p14="http://schemas.microsoft.com/office/powerpoint/2010/main" xmlns="" val="4023568497"/>
       </p:ext>
     </p:extLst>
   </p:cSld>
@@ -3043,7 +3070,7 @@
     </p:spTree>
     <p:extLst>
       <p:ext uri="{BB962C8B-B14F-4D97-AF65-F5344CB8AC3E}">
-        <p14:creationId xmlns:p14="http://schemas.microsoft.com/office/powerpoint/2010/main" val="3417402544"/>
+        <p14:creationId xmlns:p14="http://schemas.microsoft.com/office/powerpoint/2010/main" xmlns="" val="3417402544"/>
       </p:ext>
     </p:extLst>
   </p:cSld>
@@ -3103,7 +3130,12 @@
             <p:ph idx="1"/>
           </p:nvPr>
         </p:nvSpPr>
-        <p:spPr/>
+        <p:spPr>
+          <a:xfrm>
+            <a:off x="838200" y="1520328"/>
+            <a:ext cx="10515600" cy="4656635"/>
+          </a:xfrm>
+        </p:spPr>
         <p:txBody>
           <a:bodyPr>
             <a:normAutofit fontScale="92500" lnSpcReduction="20000"/>
@@ -3214,13 +3246,21 @@
               <a:rPr lang="de-DE" dirty="0" smtClean="0"/>
               <a:t>Potential</a:t>
             </a:r>
+            <a:endParaRPr lang="de-DE" dirty="0" smtClean="0"/>
+          </a:p>
+          <a:p>
+            <a:r>
+              <a:rPr lang="de-DE" dirty="0" smtClean="0"/>
+              <a:t>Zusammenfassung</a:t>
+            </a:r>
+            <a:endParaRPr lang="de-DE" dirty="0" smtClean="0"/>
           </a:p>
         </p:txBody>
       </p:sp>
     </p:spTree>
     <p:extLst>
       <p:ext uri="{BB962C8B-B14F-4D97-AF65-F5344CB8AC3E}">
-        <p14:creationId xmlns:p14="http://schemas.microsoft.com/office/powerpoint/2010/main" val="130027428"/>
+        <p14:creationId xmlns:p14="http://schemas.microsoft.com/office/powerpoint/2010/main" xmlns="" val="130027428"/>
       </p:ext>
     </p:extLst>
   </p:cSld>
@@ -3286,7 +3326,7 @@
           <p:nvPr>
             <p:extLst>
               <p:ext uri="{D42A27DB-BD31-4B8C-83A1-F6EECF244321}">
-                <p14:modId xmlns:p14="http://schemas.microsoft.com/office/powerpoint/2010/main" val="656243427"/>
+                <p14:modId xmlns:p14="http://schemas.microsoft.com/office/powerpoint/2010/main" xmlns="" val="656243427"/>
               </p:ext>
             </p:extLst>
           </p:nvPr>
@@ -4311,7 +4351,7 @@
     </p:spTree>
     <p:extLst>
       <p:ext uri="{BB962C8B-B14F-4D97-AF65-F5344CB8AC3E}">
-        <p14:creationId xmlns:p14="http://schemas.microsoft.com/office/powerpoint/2010/main" val="4051187452"/>
+        <p14:creationId xmlns:p14="http://schemas.microsoft.com/office/powerpoint/2010/main" xmlns="" val="4051187452"/>
       </p:ext>
     </p:extLst>
   </p:cSld>
@@ -4390,9 +4430,486 @@
     </p:spTree>
     <p:extLst>
       <p:ext uri="{BB962C8B-B14F-4D97-AF65-F5344CB8AC3E}">
-        <p14:creationId xmlns:p14="http://schemas.microsoft.com/office/powerpoint/2010/main" val="1014830460"/>
+        <p14:creationId xmlns:p14="http://schemas.microsoft.com/office/powerpoint/2010/main" xmlns="" val="1014830460"/>
       </p:ext>
     </p:extLst>
+  </p:cSld>
+  <p:clrMapOvr>
+    <a:masterClrMapping/>
+  </p:clrMapOvr>
+</p:sld>
+</file>
+
+<file path=ppt/slides/slide5.xml><?xml version="1.0" encoding="utf-8"?>
+<p:sld xmlns:a="http://schemas.openxmlformats.org/drawingml/2006/main" xmlns:r="http://schemas.openxmlformats.org/officeDocument/2006/relationships" xmlns:p="http://schemas.openxmlformats.org/presentationml/2006/main">
+  <p:cSld>
+    <p:spTree>
+      <p:nvGrpSpPr>
+        <p:cNvPr id="1" name=""/>
+        <p:cNvGrpSpPr/>
+        <p:nvPr/>
+      </p:nvGrpSpPr>
+      <p:grpSpPr>
+        <a:xfrm>
+          <a:off x="0" y="0"/>
+          <a:ext cx="0" cy="0"/>
+          <a:chOff x="0" y="0"/>
+          <a:chExt cx="0" cy="0"/>
+        </a:xfrm>
+      </p:grpSpPr>
+      <p:sp>
+        <p:nvSpPr>
+          <p:cNvPr id="2" name="Titel 1"/>
+          <p:cNvSpPr>
+            <a:spLocks noGrp="1"/>
+          </p:cNvSpPr>
+          <p:nvPr>
+            <p:ph type="title"/>
+          </p:nvPr>
+        </p:nvSpPr>
+        <p:spPr/>
+        <p:txBody>
+          <a:bodyPr/>
+          <a:lstStyle/>
+          <a:p>
+            <a:r>
+              <a:rPr lang="de-DE" dirty="0" smtClean="0"/>
+              <a:t>Technologien</a:t>
+            </a:r>
+            <a:endParaRPr lang="de-DE" dirty="0"/>
+          </a:p>
+        </p:txBody>
+      </p:sp>
+      <p:sp>
+        <p:nvSpPr>
+          <p:cNvPr id="3" name="Inhaltsplatzhalter 2"/>
+          <p:cNvSpPr>
+            <a:spLocks noGrp="1"/>
+          </p:cNvSpPr>
+          <p:nvPr>
+            <p:ph idx="1"/>
+          </p:nvPr>
+        </p:nvSpPr>
+        <p:spPr/>
+        <p:txBody>
+          <a:bodyPr/>
+          <a:lstStyle/>
+          <a:p>
+            <a:r>
+              <a:rPr lang="de-DE" b="1" smtClean="0"/>
+              <a:t>Home automation</a:t>
+            </a:r>
+            <a:endParaRPr lang="de-DE" b="1" dirty="0" smtClean="0"/>
+          </a:p>
+          <a:p>
+            <a:pPr lvl="1"/>
+            <a:r>
+              <a:rPr lang="de-DE" dirty="0" smtClean="0"/>
+              <a:t>Wohn </a:t>
+            </a:r>
+            <a:r>
+              <a:rPr lang="de-DE" dirty="0" smtClean="0"/>
+              <a:t>Erweiterung der Gebäudeautomation </a:t>
+            </a:r>
+            <a:endParaRPr lang="de-DE" dirty="0" smtClean="0"/>
+          </a:p>
+          <a:p>
+            <a:pPr lvl="2"/>
+            <a:r>
+              <a:rPr lang="de-DE" b="1" dirty="0" smtClean="0"/>
+              <a:t>Ziel: </a:t>
+            </a:r>
+            <a:r>
+              <a:rPr lang="de-DE" dirty="0" smtClean="0"/>
+              <a:t>Beleuchtung</a:t>
+            </a:r>
+            <a:r>
+              <a:rPr lang="de-DE" dirty="0" smtClean="0"/>
+              <a:t>, Heizung, Lüftung, </a:t>
+            </a:r>
+            <a:r>
+              <a:rPr lang="de-DE" dirty="0" smtClean="0"/>
+              <a:t>Klima, Geräte </a:t>
+            </a:r>
+            <a:r>
+              <a:rPr lang="de-DE" dirty="0" smtClean="0"/>
+              <a:t>und </a:t>
+            </a:r>
+            <a:r>
+              <a:rPr lang="de-DE" dirty="0" smtClean="0"/>
+              <a:t>Sicherheit steuern und automatisieren.</a:t>
+            </a:r>
+          </a:p>
+          <a:p>
+            <a:pPr lvl="2"/>
+            <a:r>
+              <a:rPr lang="de-DE" b="1" dirty="0" smtClean="0"/>
+              <a:t>Mithilfe von </a:t>
+            </a:r>
+            <a:r>
+              <a:rPr lang="de-DE" dirty="0" smtClean="0"/>
+              <a:t>an einen zentralen Hub </a:t>
+            </a:r>
+            <a:r>
+              <a:rPr lang="de-DE" dirty="0" smtClean="0"/>
+              <a:t>angeschlossenen </a:t>
+            </a:r>
+            <a:r>
+              <a:rPr lang="de-DE" dirty="0" smtClean="0"/>
+              <a:t>Schaltern und Sensoren </a:t>
+            </a:r>
+            <a:r>
+              <a:rPr lang="de-DE" dirty="0" smtClean="0"/>
+              <a:t>manchmal </a:t>
+            </a:r>
+            <a:r>
+              <a:rPr lang="de-DE" dirty="0" smtClean="0"/>
+              <a:t>ein "</a:t>
+            </a:r>
+            <a:r>
+              <a:rPr lang="de-DE" dirty="0" smtClean="0"/>
+              <a:t>Gateway </a:t>
+            </a:r>
+          </a:p>
+          <a:p>
+            <a:pPr lvl="2"/>
+            <a:r>
+              <a:rPr lang="de-DE" b="1" dirty="0" smtClean="0"/>
+              <a:t>Aufruf von </a:t>
+            </a:r>
+            <a:r>
+              <a:rPr lang="de-DE" dirty="0" smtClean="0"/>
+              <a:t>Schaltern und Sensoren erfolgt mit </a:t>
+            </a:r>
+            <a:r>
+              <a:rPr lang="de-DE" dirty="0" smtClean="0"/>
+              <a:t>einer </a:t>
+            </a:r>
+            <a:r>
+              <a:rPr lang="de-DE" dirty="0" smtClean="0"/>
+              <a:t>Benutzeroberfläche, </a:t>
+            </a:r>
+            <a:r>
+              <a:rPr lang="de-DE" dirty="0" smtClean="0"/>
+              <a:t>die in Wechselwirkung entweder mit einer Wand montiert Terminal, Handy-Software, </a:t>
+            </a:r>
+            <a:r>
+              <a:rPr lang="de-DE" dirty="0" err="1" smtClean="0"/>
+              <a:t>Tablet</a:t>
+            </a:r>
+            <a:r>
+              <a:rPr lang="de-DE" dirty="0" smtClean="0"/>
+              <a:t>-Computer oder ein Web-Interface.</a:t>
+            </a:r>
+            <a:endParaRPr lang="de-DE" b="1" dirty="0" smtClean="0"/>
+          </a:p>
+        </p:txBody>
+      </p:sp>
+    </p:spTree>
+  </p:cSld>
+  <p:clrMapOvr>
+    <a:masterClrMapping/>
+  </p:clrMapOvr>
+</p:sld>
+</file>
+
+<file path=ppt/slides/slide6.xml><?xml version="1.0" encoding="utf-8"?>
+<p:sld xmlns:a="http://schemas.openxmlformats.org/drawingml/2006/main" xmlns:r="http://schemas.openxmlformats.org/officeDocument/2006/relationships" xmlns:p="http://schemas.openxmlformats.org/presentationml/2006/main">
+  <p:cSld>
+    <p:spTree>
+      <p:nvGrpSpPr>
+        <p:cNvPr id="1" name=""/>
+        <p:cNvGrpSpPr/>
+        <p:nvPr/>
+      </p:nvGrpSpPr>
+      <p:grpSpPr>
+        <a:xfrm>
+          <a:off x="0" y="0"/>
+          <a:ext cx="0" cy="0"/>
+          <a:chOff x="0" y="0"/>
+          <a:chExt cx="0" cy="0"/>
+        </a:xfrm>
+      </p:grpSpPr>
+      <p:sp>
+        <p:nvSpPr>
+          <p:cNvPr id="2" name="Titel 1"/>
+          <p:cNvSpPr>
+            <a:spLocks noGrp="1"/>
+          </p:cNvSpPr>
+          <p:nvPr>
+            <p:ph type="title"/>
+          </p:nvPr>
+        </p:nvSpPr>
+        <p:spPr/>
+        <p:txBody>
+          <a:bodyPr/>
+          <a:lstStyle/>
+          <a:p>
+            <a:pPr lvl="1" algn="l" rtl="0">
+              <a:lnSpc>
+                <a:spcPct val="90000"/>
+              </a:lnSpc>
+              <a:spcBef>
+                <a:spcPct val="0"/>
+              </a:spcBef>
+            </a:pPr>
+            <a:r>
+              <a:rPr kumimoji="0" lang="de-DE" sz="4400" b="0" i="0" u="none" strike="noStrike" kern="1200" cap="none" spc="0" normalizeH="0" baseline="0" noProof="0" dirty="0" smtClean="0">
+                <a:ln>
+                  <a:noFill/>
+                </a:ln>
+                <a:solidFill>
+                  <a:prstClr val="black"/>
+                </a:solidFill>
+                <a:effectLst/>
+                <a:uLnTx/>
+                <a:uFillTx/>
+                <a:latin typeface="Calibri Light"/>
+                <a:ea typeface="+mj-ea"/>
+                <a:cs typeface="+mj-cs"/>
+              </a:rPr>
+              <a:t>Technologien</a:t>
+            </a:r>
+            <a:r>
+              <a:rPr lang="de-DE" dirty="0" smtClean="0"/>
+              <a:t/>
+            </a:r>
+            <a:br>
+              <a:rPr lang="de-DE" dirty="0" smtClean="0"/>
+            </a:br>
+            <a:endParaRPr lang="de-DE" dirty="0"/>
+          </a:p>
+        </p:txBody>
+      </p:sp>
+      <p:sp>
+        <p:nvSpPr>
+          <p:cNvPr id="3" name="Inhaltsplatzhalter 2"/>
+          <p:cNvSpPr>
+            <a:spLocks noGrp="1"/>
+          </p:cNvSpPr>
+          <p:nvPr>
+            <p:ph idx="1"/>
+          </p:nvPr>
+        </p:nvSpPr>
+        <p:spPr/>
+        <p:txBody>
+          <a:bodyPr>
+            <a:normAutofit/>
+          </a:bodyPr>
+          <a:lstStyle/>
+          <a:p>
+            <a:pPr marL="228600" lvl="1">
+              <a:spcBef>
+                <a:spcPts val="1000"/>
+              </a:spcBef>
+            </a:pPr>
+            <a:r>
+              <a:rPr lang="de-DE" b="1" dirty="0" smtClean="0"/>
+              <a:t>IBM </a:t>
+            </a:r>
+            <a:r>
+              <a:rPr lang="de-DE" b="1" dirty="0" err="1" smtClean="0"/>
+              <a:t>Bluemix</a:t>
+            </a:r>
+            <a:r>
+              <a:rPr lang="de-DE" b="1" dirty="0" smtClean="0"/>
+              <a:t> als </a:t>
+            </a:r>
+            <a:r>
+              <a:rPr lang="de-DE" b="1" dirty="0" err="1" smtClean="0"/>
+              <a:t>IoT</a:t>
+            </a:r>
+            <a:r>
+              <a:rPr lang="de-DE" b="1" dirty="0" smtClean="0"/>
+              <a:t> </a:t>
+            </a:r>
+            <a:r>
+              <a:rPr lang="de-DE" b="1" dirty="0" smtClean="0"/>
+              <a:t>Plattform (</a:t>
+            </a:r>
+            <a:r>
+              <a:rPr lang="de-DE" b="1" dirty="0" err="1" smtClean="0"/>
+              <a:t>PaaS</a:t>
+            </a:r>
+            <a:r>
+              <a:rPr lang="de-DE" b="1" dirty="0" smtClean="0"/>
+              <a:t>)</a:t>
+            </a:r>
+          </a:p>
+          <a:p>
+            <a:pPr marL="685800" lvl="2">
+              <a:spcBef>
+                <a:spcPts val="1000"/>
+              </a:spcBef>
+            </a:pPr>
+            <a:r>
+              <a:rPr lang="de-DE" b="1" dirty="0" err="1" smtClean="0"/>
+              <a:t>Bluemix</a:t>
+            </a:r>
+            <a:r>
+              <a:rPr lang="de-DE" b="1" dirty="0" smtClean="0"/>
+              <a:t> Funktionsweise: </a:t>
+            </a:r>
+            <a:r>
+              <a:rPr lang="de-DE" dirty="0" smtClean="0"/>
+              <a:t>Key Rechentechnologien zum Laufen der </a:t>
+            </a:r>
+            <a:r>
+              <a:rPr lang="de-DE" dirty="0" err="1" smtClean="0"/>
+              <a:t>Apps</a:t>
+            </a:r>
+            <a:endParaRPr lang="de-DE" b="1" dirty="0" smtClean="0"/>
+          </a:p>
+          <a:p>
+            <a:pPr marL="1143000" lvl="3">
+              <a:spcBef>
+                <a:spcPts val="1000"/>
+              </a:spcBef>
+            </a:pPr>
+            <a:r>
+              <a:rPr lang="de-DE" b="1" dirty="0" err="1" smtClean="0"/>
+              <a:t>Openstack</a:t>
+            </a:r>
+            <a:r>
+              <a:rPr lang="de-DE" b="1" dirty="0" smtClean="0"/>
+              <a:t> (1)</a:t>
+            </a:r>
+          </a:p>
+          <a:p>
+            <a:pPr marL="1143000" lvl="3">
+              <a:spcBef>
+                <a:spcPts val="1000"/>
+              </a:spcBef>
+            </a:pPr>
+            <a:r>
+              <a:rPr lang="de-DE" b="1" dirty="0" smtClean="0"/>
+              <a:t>Docker (2)</a:t>
+            </a:r>
+          </a:p>
+          <a:p>
+            <a:pPr marL="1143000" lvl="3">
+              <a:spcBef>
+                <a:spcPts val="1000"/>
+              </a:spcBef>
+            </a:pPr>
+            <a:r>
+              <a:rPr lang="de-DE" b="1" dirty="0" err="1" smtClean="0"/>
+              <a:t>Cloud</a:t>
+            </a:r>
+            <a:r>
+              <a:rPr lang="de-DE" b="1" dirty="0" smtClean="0"/>
+              <a:t> </a:t>
+            </a:r>
+            <a:r>
+              <a:rPr lang="de-DE" b="1" dirty="0" err="1" smtClean="0"/>
+              <a:t>Foundry</a:t>
+            </a:r>
+            <a:r>
+              <a:rPr lang="de-DE" b="1" dirty="0" smtClean="0"/>
+              <a:t> (3)</a:t>
+            </a:r>
+          </a:p>
+          <a:p>
+            <a:pPr marL="1143000" lvl="3">
+              <a:spcBef>
+                <a:spcPts val="1000"/>
+              </a:spcBef>
+            </a:pPr>
+            <a:r>
+              <a:rPr lang="de-DE" b="1" dirty="0" smtClean="0"/>
+              <a:t>Open </a:t>
+            </a:r>
+            <a:r>
+              <a:rPr lang="de-DE" b="1" dirty="0" err="1" smtClean="0"/>
+              <a:t>Whisk</a:t>
+            </a:r>
+            <a:r>
+              <a:rPr lang="de-DE" b="1" dirty="0" smtClean="0"/>
+              <a:t> (4)</a:t>
+            </a:r>
+            <a:endParaRPr lang="de-DE" b="1" dirty="0" smtClean="0"/>
+          </a:p>
+          <a:p>
+            <a:pPr marL="1143000" lvl="3">
+              <a:spcBef>
+                <a:spcPts val="1000"/>
+              </a:spcBef>
+            </a:pPr>
+            <a:endParaRPr lang="de-DE" b="1" dirty="0" smtClean="0"/>
+          </a:p>
+          <a:p>
+            <a:endParaRPr lang="de-DE" dirty="0"/>
+          </a:p>
+        </p:txBody>
+      </p:sp>
+    </p:spTree>
+  </p:cSld>
+  <p:clrMapOvr>
+    <a:masterClrMapping/>
+  </p:clrMapOvr>
+</p:sld>
+</file>
+
+<file path=ppt/slides/slide7.xml><?xml version="1.0" encoding="utf-8"?>
+<p:sld xmlns:a="http://schemas.openxmlformats.org/drawingml/2006/main" xmlns:r="http://schemas.openxmlformats.org/officeDocument/2006/relationships" xmlns:p="http://schemas.openxmlformats.org/presentationml/2006/main">
+  <p:cSld>
+    <p:spTree>
+      <p:nvGrpSpPr>
+        <p:cNvPr id="1" name=""/>
+        <p:cNvGrpSpPr/>
+        <p:nvPr/>
+      </p:nvGrpSpPr>
+      <p:grpSpPr>
+        <a:xfrm>
+          <a:off x="0" y="0"/>
+          <a:ext cx="0" cy="0"/>
+          <a:chOff x="0" y="0"/>
+          <a:chExt cx="0" cy="0"/>
+        </a:xfrm>
+      </p:grpSpPr>
+      <p:sp>
+        <p:nvSpPr>
+          <p:cNvPr id="2" name="Titel 1"/>
+          <p:cNvSpPr>
+            <a:spLocks noGrp="1"/>
+          </p:cNvSpPr>
+          <p:nvPr>
+            <p:ph type="title"/>
+          </p:nvPr>
+        </p:nvSpPr>
+        <p:spPr/>
+        <p:txBody>
+          <a:bodyPr/>
+          <a:lstStyle/>
+          <a:p>
+            <a:endParaRPr lang="de-DE"/>
+          </a:p>
+        </p:txBody>
+      </p:sp>
+      <p:pic>
+        <p:nvPicPr>
+          <p:cNvPr id="4" name="Inhaltsplatzhalter 3" descr="IBM_Bluemix.jpg"/>
+          <p:cNvPicPr>
+            <a:picLocks noGrp="1" noChangeAspect="1"/>
+          </p:cNvPicPr>
+          <p:nvPr>
+            <p:ph idx="1"/>
+          </p:nvPr>
+        </p:nvPicPr>
+        <p:blipFill>
+          <a:blip r:embed="rId2" cstate="print"/>
+          <a:stretch>
+            <a:fillRect/>
+          </a:stretch>
+        </p:blipFill>
+        <p:spPr>
+          <a:xfrm>
+            <a:off x="0" y="0"/>
+            <a:ext cx="12192000" cy="6857999"/>
+          </a:xfrm>
+        </p:spPr>
+      </p:pic>
+    </p:spTree>
   </p:cSld>
   <p:clrMapOvr>
     <a:masterClrMapping/>
@@ -4443,7 +4960,7 @@
     </a:clrScheme>
     <a:fontScheme name="Office">
       <a:majorFont>
-        <a:latin typeface="Calibri Light" panose="020F0302020204030204"/>
+        <a:latin typeface="Calibri Light"/>
         <a:ea typeface=""/>
         <a:cs typeface=""/>
         <a:font script="Jpan" typeface="ＭＳ Ｐゴシック"/>
@@ -4478,7 +4995,7 @@
         <a:font script="Geor" typeface="Sylfaen"/>
       </a:majorFont>
       <a:minorFont>
-        <a:latin typeface="Calibri" panose="020F0502020204030204"/>
+        <a:latin typeface="Calibri"/>
         <a:ea typeface=""/>
         <a:cs typeface=""/>
         <a:font script="Jpan" typeface="ＭＳ Ｐゴシック"/>
@@ -4655,7 +5172,7 @@
   <a:extraClrSchemeLst/>
   <a:extLst>
     <a:ext uri="{05A4C25C-085E-4340-85A3-A5531E510DB2}">
-      <thm15:themeFamily xmlns:thm15="http://schemas.microsoft.com/office/thememl/2012/main" name="Office Theme" id="{62F939B6-93AF-4DB8-9C6B-D6C7DFDC589F}" vid="{4A3C46E8-61CC-4603-A589-7422A47A8E4A}"/>
+      <thm15:themeFamily xmlns:thm15="http://schemas.microsoft.com/office/thememl/2012/main" xmlns="" name="Office Theme" id="{62F939B6-93AF-4DB8-9C6B-D6C7DFDC589F}" vid="{4A3C46E8-61CC-4603-A589-7422A47A8E4A}"/>
     </a:ext>
   </a:extLst>
 </a:theme>
